--- a/dms/mixture_change.pptx
+++ b/dms/mixture_change.pptx
@@ -3692,7 +3692,7 @@
                 </a:r>
                 <a:r>
                   <a:rPr lang="is-IS" sz="2000" dirty="0" smtClean="0"/>
-                  <a:t>894.004</a:t>
+                  <a:t>804.004</a:t>
                 </a:r>
                 <a:r>
                   <a:rPr lang="nb-NO" sz="2000" dirty="0" smtClean="0"/>
@@ -3789,7 +3789,7 @@
             <p:spPr>
               <a:xfrm>
                 <a:off x="2746821" y="6269431"/>
-                <a:ext cx="3650358" cy="400110"/>
+                <a:ext cx="3592650" cy="400110"/>
               </a:xfrm>
               <a:prstGeom prst="rect">
                 <a:avLst/>
@@ -3808,11 +3808,7 @@
                 </a:r>
                 <a:r>
                   <a:rPr lang="hr-HR" sz="2000" dirty="0" smtClean="0"/>
-                  <a:t>2470.93</a:t>
-                </a:r>
-                <a:r>
-                  <a:rPr lang="nb-NO" sz="2000" dirty="0" smtClean="0"/>
-                  <a:t> </a:t>
+                  <a:t>2411.82</a:t>
                 </a:r>
                 <a:r>
                   <a:rPr lang="nb-NO" sz="2000" dirty="0" err="1" smtClean="0"/>
@@ -3840,7 +3836,7 @@
                 </a:r>
                 <a:r>
                   <a:rPr lang="is-IS" sz="2000" dirty="0" smtClean="0"/>
-                  <a:t>11.4301</a:t>
+                  <a:t>17.4301</a:t>
                 </a:r>
                 <a:r>
                   <a:rPr lang="hr-HR" sz="2000" dirty="0" smtClean="0"/>
@@ -3867,7 +3863,7 @@
             <p:spPr>
               <a:xfrm>
                 <a:off x="2746821" y="6269431"/>
-                <a:ext cx="3650358" cy="400110"/>
+                <a:ext cx="3592650" cy="400110"/>
               </a:xfrm>
               <a:prstGeom prst="rect">
                 <a:avLst/>
@@ -3875,7 +3871,7 @@
               <a:blipFill rotWithShape="0">
                 <a:blip r:embed="rId3"/>
                 <a:stretch>
-                  <a:fillRect l="-1839" t="-7576" r="-669" b="-25758"/>
+                  <a:fillRect l="-1868" t="-7576" r="-679" b="-25758"/>
                 </a:stretch>
               </a:blipFill>
             </p:spPr>
@@ -3934,7 +3930,7 @@
       </p:sp>
       <p:pic>
         <p:nvPicPr>
-          <p:cNvPr id="4" name="Picture 3"/>
+          <p:cNvPr id="8" name="Picture 7"/>
           <p:cNvPicPr>
             <a:picLocks noChangeAspect="1"/>
           </p:cNvPicPr>
@@ -3948,8 +3944,8 @@
         </p:blipFill>
         <p:spPr>
           <a:xfrm>
-            <a:off x="1145511" y="836792"/>
-            <a:ext cx="6852977" cy="4893728"/>
+            <a:off x="1284790" y="830065"/>
+            <a:ext cx="6574420" cy="4907181"/>
           </a:xfrm>
           <a:prstGeom prst="rect">
             <a:avLst/>
